--- a/SQL/01 SQL – Wstęp.pptx
+++ b/SQL/01 SQL – Wstęp.pptx
@@ -284,6 +284,50 @@
 </p:presentation>
 </file>
 
+<file path=ppt/changesInfos/changesInfo1.xml><?xml version="1.0" encoding="utf-8"?>
+<pc:chgInfo xmlns:a="http://schemas.openxmlformats.org/drawingml/2006/main" xmlns:r="http://schemas.openxmlformats.org/officeDocument/2006/relationships" xmlns:ac="http://schemas.microsoft.com/office/drawing/2013/main/command" xmlns:pc="http://schemas.microsoft.com/office/powerpoint/2013/main/command">
+  <pc:docChgLst>
+    <pc:chgData name="Mikołaj Leszczuk" userId="f51ff640-68ca-4f5b-81f1-7b807841f46e" providerId="ADAL" clId="{324E98FF-60EC-1644-824A-1EC40AF4E31F}"/>
+    <pc:docChg chg="modSld">
+      <pc:chgData name="Mikołaj Leszczuk" userId="f51ff640-68ca-4f5b-81f1-7b807841f46e" providerId="ADAL" clId="{324E98FF-60EC-1644-824A-1EC40AF4E31F}" dt="2020-11-13T23:36:45.521" v="4" actId="20577"/>
+      <pc:docMkLst>
+        <pc:docMk/>
+      </pc:docMkLst>
+      <pc:sldChg chg="modSp mod">
+        <pc:chgData name="Mikołaj Leszczuk" userId="f51ff640-68ca-4f5b-81f1-7b807841f46e" providerId="ADAL" clId="{324E98FF-60EC-1644-824A-1EC40AF4E31F}" dt="2020-11-13T23:34:20.964" v="2" actId="20577"/>
+        <pc:sldMkLst>
+          <pc:docMk/>
+          <pc:sldMk cId="0" sldId="259"/>
+        </pc:sldMkLst>
+        <pc:spChg chg="mod">
+          <ac:chgData name="Mikołaj Leszczuk" userId="f51ff640-68ca-4f5b-81f1-7b807841f46e" providerId="ADAL" clId="{324E98FF-60EC-1644-824A-1EC40AF4E31F}" dt="2020-11-13T23:34:20.964" v="2" actId="20577"/>
+          <ac:spMkLst>
+            <pc:docMk/>
+            <pc:sldMk cId="0" sldId="259"/>
+            <ac:spMk id="75" creationId="{00000000-0000-0000-0000-000000000000}"/>
+          </ac:spMkLst>
+        </pc:spChg>
+      </pc:sldChg>
+      <pc:sldChg chg="modSp mod">
+        <pc:chgData name="Mikołaj Leszczuk" userId="f51ff640-68ca-4f5b-81f1-7b807841f46e" providerId="ADAL" clId="{324E98FF-60EC-1644-824A-1EC40AF4E31F}" dt="2020-11-13T23:36:45.521" v="4" actId="20577"/>
+        <pc:sldMkLst>
+          <pc:docMk/>
+          <pc:sldMk cId="0" sldId="276"/>
+        </pc:sldMkLst>
+        <pc:spChg chg="mod">
+          <ac:chgData name="Mikołaj Leszczuk" userId="f51ff640-68ca-4f5b-81f1-7b807841f46e" providerId="ADAL" clId="{324E98FF-60EC-1644-824A-1EC40AF4E31F}" dt="2020-11-13T23:36:45.521" v="4" actId="20577"/>
+          <ac:spMkLst>
+            <pc:docMk/>
+            <pc:sldMk cId="0" sldId="276"/>
+            <ac:spMk id="186" creationId="{00000000-0000-0000-0000-000000000000}"/>
+          </ac:spMkLst>
+        </pc:spChg>
+      </pc:sldChg>
+    </pc:docChg>
+  </pc:docChgLst>
+</pc:chgInfo>
+</file>
+
 <file path=ppt/notesMasters/notesMaster1.xml><?xml version="1.0" encoding="utf-8"?>
 <p:notesMaster xmlns:a="http://schemas.openxmlformats.org/drawingml/2006/main" xmlns:r="http://schemas.openxmlformats.org/officeDocument/2006/relationships" xmlns:p="http://schemas.openxmlformats.org/presentationml/2006/main">
   <p:cSld>
@@ -3474,7 +3518,7 @@
           <a:p>
             <a:fld id="{0CFF4016-EC88-1441-A65F-3C84A03A869D}" type="datetime1">
               <a:rPr lang="pl-PL" smtClean="0"/>
-              <a:t>08.09.2020</a:t>
+              <a:t>14.11.2020</a:t>
             </a:fld>
             <a:endParaRPr lang="en-GB"/>
           </a:p>
@@ -3659,7 +3703,7 @@
           <a:p>
             <a:fld id="{DAEC7EC2-3579-AE44-9FB1-611981B95D1F}" type="datetime1">
               <a:rPr lang="pl-PL" smtClean="0"/>
-              <a:t>08.09.2020</a:t>
+              <a:t>14.11.2020</a:t>
             </a:fld>
             <a:endParaRPr lang="en-GB"/>
           </a:p>
@@ -3854,7 +3898,7 @@
           <a:p>
             <a:fld id="{3241ACF8-2331-3542-ACC1-73975B5FFCB8}" type="datetime1">
               <a:rPr lang="pl-PL" smtClean="0"/>
-              <a:t>08.09.2020</a:t>
+              <a:t>14.11.2020</a:t>
             </a:fld>
             <a:endParaRPr lang="en-GB"/>
           </a:p>
@@ -5140,7 +5184,7 @@
           <a:p>
             <a:fld id="{569FC87A-EDAD-954B-9487-CB64E76D347E}" type="datetime1">
               <a:rPr lang="pl-PL" smtClean="0"/>
-              <a:t>08.09.2020</a:t>
+              <a:t>14.11.2020</a:t>
             </a:fld>
             <a:endParaRPr lang="en-GB"/>
           </a:p>
@@ -5430,7 +5474,7 @@
           <a:p>
             <a:fld id="{36A3712B-6FAD-2440-98E1-30209B926D6F}" type="datetime1">
               <a:rPr lang="pl-PL" smtClean="0"/>
-              <a:t>08.09.2020</a:t>
+              <a:t>14.11.2020</a:t>
             </a:fld>
             <a:endParaRPr lang="en-GB"/>
           </a:p>
@@ -5658,7 +5702,7 @@
           <a:p>
             <a:fld id="{5CDFC4DD-AD75-8D4D-A4B3-3496B5BAAAFC}" type="datetime1">
               <a:rPr lang="pl-PL" smtClean="0"/>
-              <a:t>08.09.2020</a:t>
+              <a:t>14.11.2020</a:t>
             </a:fld>
             <a:endParaRPr lang="en-GB"/>
           </a:p>
@@ -6041,7 +6085,7 @@
           <a:p>
             <a:fld id="{F2ABEDAB-4050-A745-BB0F-95F147F83C3D}" type="datetime1">
               <a:rPr lang="pl-PL" smtClean="0"/>
-              <a:t>08.09.2020</a:t>
+              <a:t>14.11.2020</a:t>
             </a:fld>
             <a:endParaRPr lang="en-GB"/>
           </a:p>
@@ -6193,7 +6237,7 @@
           <a:p>
             <a:fld id="{CBC906E6-40D3-324A-915C-CA5DEA707587}" type="datetime1">
               <a:rPr lang="pl-PL" smtClean="0"/>
-              <a:t>08.09.2020</a:t>
+              <a:t>14.11.2020</a:t>
             </a:fld>
             <a:endParaRPr lang="en-GB"/>
           </a:p>
@@ -6316,7 +6360,7 @@
           <a:p>
             <a:fld id="{1EEDE5AD-84CD-8047-BF75-5D0E2BAABBC0}" type="datetime1">
               <a:rPr lang="pl-PL" smtClean="0"/>
-              <a:t>08.09.2020</a:t>
+              <a:t>14.11.2020</a:t>
             </a:fld>
             <a:endParaRPr lang="en-GB"/>
           </a:p>
@@ -6618,7 +6662,7 @@
           <a:p>
             <a:fld id="{E0744F8A-8C12-CC4F-BC5A-3A0D6A1C4391}" type="datetime1">
               <a:rPr lang="pl-PL" smtClean="0"/>
-              <a:t>08.09.2020</a:t>
+              <a:t>14.11.2020</a:t>
             </a:fld>
             <a:endParaRPr lang="en-GB"/>
           </a:p>
@@ -6925,7 +6969,7 @@
           <a:p>
             <a:fld id="{012DA84D-DC26-794A-86F2-3866F0182936}" type="datetime1">
               <a:rPr lang="pl-PL" smtClean="0"/>
-              <a:t>08.09.2020</a:t>
+              <a:t>14.11.2020</a:t>
             </a:fld>
             <a:endParaRPr lang="en-GB"/>
           </a:p>
@@ -7153,7 +7197,7 @@
           <a:p>
             <a:fld id="{F26DFEA4-C60A-B842-8474-0CC76535D062}" type="datetime1">
               <a:rPr lang="pl-PL" smtClean="0"/>
-              <a:t>08.09.2020</a:t>
+              <a:t>14.11.2020</a:t>
             </a:fld>
             <a:endParaRPr lang="en-GB"/>
           </a:p>
@@ -11195,14 +11239,7 @@
             </a:r>
             <a:r>
               <a:rPr lang="pl-PL" sz="1800" dirty="0"/>
-              <a:t> i wielu</a:t>
-            </a:r>
-            <a:br>
-              <a:rPr lang="pl-PL" sz="1800" dirty="0"/>
-            </a:br>
-            <a:r>
-              <a:rPr lang="pl-PL" sz="1800" dirty="0"/>
-              <a:t>innych; a także interfejs </a:t>
+              <a:t> i wielu innych; a także interfejs </a:t>
             </a:r>
             <a:r>
               <a:rPr lang="pl-PL" sz="1800" b="1" dirty="0"/>
